--- a/supports/source/06-purete-immutabilite-linq.pptx
+++ b/supports/source/06-purete-immutabilite-linq.pptx
@@ -4277,7 +4277,7 @@
                 <a:ea typeface="Courier New" pitchFamily="34" charset="-122"/>
                 <a:cs typeface="Courier New" pitchFamily="34" charset="-120"/>
               </a:rPr>
-              <a:t>0.0,  // ✓ Seed initial (pas de variable globale)</a:t>
+              <a:t>0.0,  // ✓ Compte initial (pas de variable globale)</a:t>
             </a:r>
             <a:endParaRPr lang="en-US" sz="1300" dirty="0"/>
           </a:p>
